--- a/Notes/HST 103_T3 Perodization (Ancient).pptx
+++ b/Notes/HST 103_T3 Perodization (Ancient).pptx
@@ -2412,7 +2412,7 @@
           <a:p>
             <a:fld id="{082B4313-3457-40CE-B22F-9F4B24A0766A}" type="datetimeFigureOut">
               <a:rPr lang="en-GB" smtClean="0"/>
-              <a:t>07/07/2025</a:t>
+              <a:t>23/07/2025</a:t>
             </a:fld>
             <a:endParaRPr lang="en-GB"/>
           </a:p>
@@ -2582,7 +2582,7 @@
           <a:p>
             <a:fld id="{082B4313-3457-40CE-B22F-9F4B24A0766A}" type="datetimeFigureOut">
               <a:rPr lang="en-GB" smtClean="0"/>
-              <a:t>07/07/2025</a:t>
+              <a:t>23/07/2025</a:t>
             </a:fld>
             <a:endParaRPr lang="en-GB"/>
           </a:p>
@@ -2762,7 +2762,7 @@
           <a:p>
             <a:fld id="{082B4313-3457-40CE-B22F-9F4B24A0766A}" type="datetimeFigureOut">
               <a:rPr lang="en-GB" smtClean="0"/>
-              <a:t>07/07/2025</a:t>
+              <a:t>23/07/2025</a:t>
             </a:fld>
             <a:endParaRPr lang="en-GB"/>
           </a:p>
@@ -2932,7 +2932,7 @@
           <a:p>
             <a:fld id="{082B4313-3457-40CE-B22F-9F4B24A0766A}" type="datetimeFigureOut">
               <a:rPr lang="en-GB" smtClean="0"/>
-              <a:t>07/07/2025</a:t>
+              <a:t>23/07/2025</a:t>
             </a:fld>
             <a:endParaRPr lang="en-GB"/>
           </a:p>
@@ -3178,7 +3178,7 @@
           <a:p>
             <a:fld id="{082B4313-3457-40CE-B22F-9F4B24A0766A}" type="datetimeFigureOut">
               <a:rPr lang="en-GB" smtClean="0"/>
-              <a:t>07/07/2025</a:t>
+              <a:t>23/07/2025</a:t>
             </a:fld>
             <a:endParaRPr lang="en-GB"/>
           </a:p>
@@ -3410,7 +3410,7 @@
           <a:p>
             <a:fld id="{082B4313-3457-40CE-B22F-9F4B24A0766A}" type="datetimeFigureOut">
               <a:rPr lang="en-GB" smtClean="0"/>
-              <a:t>07/07/2025</a:t>
+              <a:t>23/07/2025</a:t>
             </a:fld>
             <a:endParaRPr lang="en-GB"/>
           </a:p>
@@ -3777,7 +3777,7 @@
           <a:p>
             <a:fld id="{082B4313-3457-40CE-B22F-9F4B24A0766A}" type="datetimeFigureOut">
               <a:rPr lang="en-GB" smtClean="0"/>
-              <a:t>07/07/2025</a:t>
+              <a:t>23/07/2025</a:t>
             </a:fld>
             <a:endParaRPr lang="en-GB"/>
           </a:p>
@@ -3895,7 +3895,7 @@
           <a:p>
             <a:fld id="{082B4313-3457-40CE-B22F-9F4B24A0766A}" type="datetimeFigureOut">
               <a:rPr lang="en-GB" smtClean="0"/>
-              <a:t>07/07/2025</a:t>
+              <a:t>23/07/2025</a:t>
             </a:fld>
             <a:endParaRPr lang="en-GB"/>
           </a:p>
@@ -3990,7 +3990,7 @@
           <a:p>
             <a:fld id="{082B4313-3457-40CE-B22F-9F4B24A0766A}" type="datetimeFigureOut">
               <a:rPr lang="en-GB" smtClean="0"/>
-              <a:t>07/07/2025</a:t>
+              <a:t>23/07/2025</a:t>
             </a:fld>
             <a:endParaRPr lang="en-GB"/>
           </a:p>
@@ -4267,7 +4267,7 @@
           <a:p>
             <a:fld id="{082B4313-3457-40CE-B22F-9F4B24A0766A}" type="datetimeFigureOut">
               <a:rPr lang="en-GB" smtClean="0"/>
-              <a:t>07/07/2025</a:t>
+              <a:t>23/07/2025</a:t>
             </a:fld>
             <a:endParaRPr lang="en-GB"/>
           </a:p>
@@ -4520,7 +4520,7 @@
           <a:p>
             <a:fld id="{082B4313-3457-40CE-B22F-9F4B24A0766A}" type="datetimeFigureOut">
               <a:rPr lang="en-GB" smtClean="0"/>
-              <a:t>07/07/2025</a:t>
+              <a:t>23/07/2025</a:t>
             </a:fld>
             <a:endParaRPr lang="en-GB"/>
           </a:p>
@@ -4733,7 +4733,7 @@
           <a:p>
             <a:fld id="{082B4313-3457-40CE-B22F-9F4B24A0766A}" type="datetimeFigureOut">
               <a:rPr lang="en-GB" smtClean="0"/>
-              <a:t>07/07/2025</a:t>
+              <a:t>23/07/2025</a:t>
             </a:fld>
             <a:endParaRPr lang="en-GB"/>
           </a:p>
@@ -7988,10 +7988,10 @@
       </p:grpSpPr>
       <p:sp useBgFill="1">
         <p:nvSpPr>
-          <p:cNvPr id="10" name="Rectangle 9">
+          <p:cNvPr id="15" name="Rectangle 14">
             <a:extLst>
               <a:ext uri="{FF2B5EF4-FFF2-40B4-BE49-F238E27FC236}">
-                <a16:creationId xmlns:a16="http://schemas.microsoft.com/office/drawing/2014/main" id="{DDD1D22E-5996-E45B-92B2-659F701A4A3B}"/>
+                <a16:creationId xmlns:a16="http://schemas.microsoft.com/office/drawing/2014/main" id="{907EF6B7-1338-4443-8C46-6A318D952DFD}"/>
               </a:ext>
               <a:ext uri="{C183D7F6-B498-43B3-948B-1728B52AA6E4}">
                 <adec:decorative xmlns:adec="http://schemas.microsoft.com/office/drawing/2017/decorative" val="1"/>
@@ -8011,36 +8011,20 @@
         </p:nvSpPr>
         <p:spPr>
           <a:xfrm>
-            <a:off x="0" y="0"/>
-            <a:ext cx="12192000" cy="6858000"/>
+            <a:off x="3048" y="0"/>
+            <a:ext cx="12188952" cy="6858000"/>
           </a:xfrm>
           <a:prstGeom prst="rect">
             <a:avLst/>
           </a:prstGeom>
-          <a:ln w="12700" cap="flat" cmpd="sng" algn="ctr">
+          <a:ln>
             <a:noFill/>
-            <a:prstDash val="solid"/>
-            <a:miter lim="800000"/>
           </a:ln>
-          <a:effectLst/>
-          <a:extLst>
-            <a:ext uri="{91240B29-F687-4F45-9708-019B960494DF}">
-              <a14:hiddenLine xmlns:a14="http://schemas.microsoft.com/office/drawing/2010/main" w="12700" cap="flat" cmpd="sng" algn="ctr">
-                <a:solidFill>
-                  <a:schemeClr val="accent1">
-                    <a:shade val="15000"/>
-                  </a:schemeClr>
-                </a:solidFill>
-                <a:prstDash val="solid"/>
-                <a:miter lim="800000"/>
-              </a14:hiddenLine>
-            </a:ext>
-          </a:extLst>
         </p:spPr>
         <p:style>
           <a:lnRef idx="2">
             <a:schemeClr val="accent1">
-              <a:shade val="15000"/>
+              <a:shade val="50000"/>
             </a:schemeClr>
           </a:lnRef>
           <a:fillRef idx="1">
@@ -8057,37 +8041,142 @@
           <a:bodyPr rtlCol="0" anchor="ctr"/>
           <a:lstStyle/>
           <a:p>
-            <a:pPr marL="0" marR="0" lvl="0" indent="0" algn="ctr" defTabSz="914400" rtl="0" eaLnBrk="1" fontAlgn="auto" latinLnBrk="0" hangingPunct="1">
-              <a:lnSpc>
-                <a:spcPct val="100000"/>
-              </a:lnSpc>
-              <a:spcBef>
-                <a:spcPts val="0"/>
-              </a:spcBef>
-              <a:spcAft>
-                <a:spcPts val="0"/>
-              </a:spcAft>
-              <a:buClrTx/>
-              <a:buSzTx/>
-              <a:buFontTx/>
-              <a:buNone/>
-              <a:tabLst/>
-              <a:defRPr/>
-            </a:pPr>
-            <a:endParaRPr kumimoji="0" lang="en-US" sz="1800" b="0" i="0" u="none" strike="noStrike" kern="1200" cap="none" spc="0" normalizeH="0" baseline="0" noProof="0">
-              <a:ln>
-                <a:noFill/>
-              </a:ln>
-              <a:solidFill>
-                <a:prstClr val="white"/>
-              </a:solidFill>
-              <a:effectLst/>
-              <a:uLnTx/>
-              <a:uFillTx/>
-              <a:latin typeface="Neue Haas Grotesk Text Pro"/>
-              <a:ea typeface="+mn-ea"/>
-              <a:cs typeface="+mn-cs"/>
-            </a:endParaRPr>
+            <a:pPr algn="ctr"/>
+            <a:endParaRPr lang="en-US"/>
+          </a:p>
+        </p:txBody>
+      </p:sp>
+      <p:sp>
+        <p:nvSpPr>
+          <p:cNvPr id="17" name="Freeform: Shape 16">
+            <a:extLst>
+              <a:ext uri="{FF2B5EF4-FFF2-40B4-BE49-F238E27FC236}">
+                <a16:creationId xmlns:a16="http://schemas.microsoft.com/office/drawing/2014/main" id="{DAAE4CDD-124C-4DCF-9584-B6033B545DD5}"/>
+              </a:ext>
+              <a:ext uri="{C183D7F6-B498-43B3-948B-1728B52AA6E4}">
+                <adec:decorative xmlns:adec="http://schemas.microsoft.com/office/drawing/2017/decorative" val="1"/>
+              </a:ext>
+            </a:extLst>
+          </p:cNvPr>
+          <p:cNvSpPr>
+            <a:spLocks noGrp="1" noRot="1" noChangeAspect="1" noMove="1" noResize="1" noEditPoints="1" noAdjustHandles="1" noChangeArrowheads="1" noChangeShapeType="1" noTextEdit="1"/>
+          </p:cNvSpPr>
+          <p:nvPr>
+            <p:extLst>
+              <p:ext uri="{386F3935-93C4-4BCD-93E2-E3B085C9AB24}">
+                <p16:designElem xmlns:p16="http://schemas.microsoft.com/office/powerpoint/2015/main" val="1"/>
+              </p:ext>
+            </p:extLst>
+          </p:nvPr>
+        </p:nvSpPr>
+        <p:spPr>
+          <a:xfrm>
+            <a:off x="1" y="0"/>
+            <a:ext cx="4167271" cy="6858000"/>
+          </a:xfrm>
+          <a:custGeom>
+            <a:avLst/>
+            <a:gdLst>
+              <a:gd name="connsiteX0" fmla="*/ 0 w 4167271"/>
+              <a:gd name="connsiteY0" fmla="*/ 0 h 6858000"/>
+              <a:gd name="connsiteX1" fmla="*/ 2259550 w 4167271"/>
+              <a:gd name="connsiteY1" fmla="*/ 0 h 6858000"/>
+              <a:gd name="connsiteX2" fmla="*/ 2387803 w 4167271"/>
+              <a:gd name="connsiteY2" fmla="*/ 82222 h 6858000"/>
+              <a:gd name="connsiteX3" fmla="*/ 4167271 w 4167271"/>
+              <a:gd name="connsiteY3" fmla="*/ 3429000 h 6858000"/>
+              <a:gd name="connsiteX4" fmla="*/ 2387803 w 4167271"/>
+              <a:gd name="connsiteY4" fmla="*/ 6775779 h 6858000"/>
+              <a:gd name="connsiteX5" fmla="*/ 2259550 w 4167271"/>
+              <a:gd name="connsiteY5" fmla="*/ 6858000 h 6858000"/>
+              <a:gd name="connsiteX6" fmla="*/ 0 w 4167271"/>
+              <a:gd name="connsiteY6" fmla="*/ 6858000 h 6858000"/>
+            </a:gdLst>
+            <a:ahLst/>
+            <a:cxnLst>
+              <a:cxn ang="0">
+                <a:pos x="connsiteX0" y="connsiteY0"/>
+              </a:cxn>
+              <a:cxn ang="0">
+                <a:pos x="connsiteX1" y="connsiteY1"/>
+              </a:cxn>
+              <a:cxn ang="0">
+                <a:pos x="connsiteX2" y="connsiteY2"/>
+              </a:cxn>
+              <a:cxn ang="0">
+                <a:pos x="connsiteX3" y="connsiteY3"/>
+              </a:cxn>
+              <a:cxn ang="0">
+                <a:pos x="connsiteX4" y="connsiteY4"/>
+              </a:cxn>
+              <a:cxn ang="0">
+                <a:pos x="connsiteX5" y="connsiteY5"/>
+              </a:cxn>
+              <a:cxn ang="0">
+                <a:pos x="connsiteX6" y="connsiteY6"/>
+              </a:cxn>
+            </a:cxnLst>
+            <a:rect l="l" t="t" r="r" b="b"/>
+            <a:pathLst>
+              <a:path w="4167271" h="6858000">
+                <a:moveTo>
+                  <a:pt x="0" y="0"/>
+                </a:moveTo>
+                <a:lnTo>
+                  <a:pt x="2259550" y="0"/>
+                </a:lnTo>
+                <a:lnTo>
+                  <a:pt x="2387803" y="82222"/>
+                </a:lnTo>
+                <a:cubicBezTo>
+                  <a:pt x="3461407" y="807534"/>
+                  <a:pt x="4167271" y="2035835"/>
+                  <a:pt x="4167271" y="3429000"/>
+                </a:cubicBezTo>
+                <a:cubicBezTo>
+                  <a:pt x="4167271" y="4822165"/>
+                  <a:pt x="3461407" y="6050467"/>
+                  <a:pt x="2387803" y="6775779"/>
+                </a:cubicBezTo>
+                <a:lnTo>
+                  <a:pt x="2259550" y="6858000"/>
+                </a:lnTo>
+                <a:lnTo>
+                  <a:pt x="0" y="6858000"/>
+                </a:lnTo>
+                <a:close/>
+              </a:path>
+            </a:pathLst>
+          </a:custGeom>
+          <a:solidFill>
+            <a:schemeClr val="accent2"/>
+          </a:solidFill>
+          <a:ln>
+            <a:noFill/>
+          </a:ln>
+        </p:spPr>
+        <p:style>
+          <a:lnRef idx="2">
+            <a:schemeClr val="accent1">
+              <a:shade val="50000"/>
+            </a:schemeClr>
+          </a:lnRef>
+          <a:fillRef idx="1">
+            <a:schemeClr val="accent1"/>
+          </a:fillRef>
+          <a:effectRef idx="0">
+            <a:schemeClr val="accent1"/>
+          </a:effectRef>
+          <a:fontRef idx="minor">
+            <a:schemeClr val="lt1"/>
+          </a:fontRef>
+        </p:style>
+        <p:txBody>
+          <a:bodyPr rtlCol="0" anchor="ctr"/>
+          <a:lstStyle/>
+          <a:p>
+            <a:pPr algn="ctr"/>
+            <a:endParaRPr lang="en-US"/>
           </a:p>
         </p:txBody>
       </p:sp>
@@ -8103,25 +8192,86 @@
         </p:nvSpPr>
         <p:spPr>
           <a:xfrm>
-            <a:off x="614679" y="548639"/>
-            <a:ext cx="3977640" cy="5719640"/>
+            <a:off x="686834" y="1153572"/>
+            <a:ext cx="3200400" cy="4461163"/>
           </a:xfrm>
         </p:spPr>
         <p:txBody>
-          <a:bodyPr anchor="t">
+          <a:bodyPr>
             <a:normAutofit/>
           </a:bodyPr>
           <a:lstStyle/>
           <a:p>
             <a:r>
-              <a:rPr lang="en-US" dirty="0">
+              <a:rPr lang="en-US">
+                <a:solidFill>
+                  <a:srgbClr val="FFFFFF"/>
+                </a:solidFill>
                 <a:latin typeface="Arial Black" panose="020B0A04020102020204" pitchFamily="34" charset="0"/>
               </a:rPr>
               <a:t>State formation and periods</a:t>
             </a:r>
-            <a:endParaRPr lang="en-US">
-              <a:latin typeface="Arial Black" panose="020B0A04020102020204" pitchFamily="34" charset="0"/>
-            </a:endParaRPr>
+          </a:p>
+        </p:txBody>
+      </p:sp>
+      <p:sp>
+        <p:nvSpPr>
+          <p:cNvPr id="19" name="Arc 18">
+            <a:extLst>
+              <a:ext uri="{FF2B5EF4-FFF2-40B4-BE49-F238E27FC236}">
+                <a16:creationId xmlns:a16="http://schemas.microsoft.com/office/drawing/2014/main" id="{081E4A58-353D-44AE-B2FC-2A74E2E400F7}"/>
+              </a:ext>
+              <a:ext uri="{C183D7F6-B498-43B3-948B-1728B52AA6E4}">
+                <adec:decorative xmlns:adec="http://schemas.microsoft.com/office/drawing/2017/decorative" val="1"/>
+              </a:ext>
+            </a:extLst>
+          </p:cNvPr>
+          <p:cNvSpPr>
+            <a:spLocks noGrp="1" noRot="1" noChangeAspect="1" noMove="1" noResize="1" noEditPoints="1" noAdjustHandles="1" noChangeArrowheads="1" noChangeShapeType="1" noTextEdit="1"/>
+          </p:cNvSpPr>
+          <p:nvPr>
+            <p:extLst>
+              <p:ext uri="{386F3935-93C4-4BCD-93E2-E3B085C9AB24}">
+                <p16:designElem xmlns:p16="http://schemas.microsoft.com/office/powerpoint/2015/main" val="1"/>
+              </p:ext>
+            </p:extLst>
+          </p:nvPr>
+        </p:nvSpPr>
+        <p:spPr>
+          <a:xfrm flipV="1">
+            <a:off x="7550402" y="2455479"/>
+            <a:ext cx="4083433" cy="4083433"/>
+          </a:xfrm>
+          <a:prstGeom prst="arc">
+            <a:avLst/>
+          </a:prstGeom>
+          <a:ln w="127000" cap="rnd">
+            <a:solidFill>
+              <a:schemeClr val="accent4"/>
+            </a:solidFill>
+            <a:prstDash val="dash"/>
+          </a:ln>
+        </p:spPr>
+        <p:style>
+          <a:lnRef idx="1">
+            <a:schemeClr val="accent1"/>
+          </a:lnRef>
+          <a:fillRef idx="0">
+            <a:schemeClr val="accent1"/>
+          </a:fillRef>
+          <a:effectRef idx="0">
+            <a:schemeClr val="accent1"/>
+          </a:effectRef>
+          <a:fontRef idx="minor">
+            <a:schemeClr val="tx1"/>
+          </a:fontRef>
+        </p:style>
+        <p:txBody>
+          <a:bodyPr rtlCol="0" anchor="ctr"/>
+          <a:lstStyle/>
+          <a:p>
+            <a:pPr algn="ctr"/>
+            <a:endParaRPr lang="en-US" dirty="0"/>
           </a:p>
         </p:txBody>
       </p:sp>
@@ -8137,12 +8287,12 @@
         </p:nvSpPr>
         <p:spPr>
           <a:xfrm>
-            <a:off x="5387542" y="548639"/>
-            <a:ext cx="6189780" cy="5861304"/>
+            <a:off x="4447308" y="591344"/>
+            <a:ext cx="6906491" cy="5585619"/>
           </a:xfrm>
         </p:spPr>
         <p:txBody>
-          <a:bodyPr anchor="t">
+          <a:bodyPr anchor="ctr">
             <a:normAutofit/>
           </a:bodyPr>
           <a:lstStyle/>
